--- a/projectppt.pptx
+++ b/projectppt.pptx
@@ -244,7 +244,7 @@
           <a:p>
             <a:fld id="{91BCB22C-4B62-402E-9436-E1522A6CC308}" type="datetimeFigureOut">
               <a:rPr lang="en-IN" smtClean="0"/>
-              <a:t>09-08-2018</a:t>
+              <a:t>27-09-2018</a:t>
             </a:fld>
             <a:endParaRPr lang="en-IN"/>
           </a:p>
@@ -1078,7 +1078,7 @@
             <a:fld id="{53074F12-AA26-4AC8-9962-C36BB8F32554}" type="datetimeFigureOut">
               <a:rPr lang="en-US" smtClean="0"/>
               <a:pPr/>
-              <a:t>8/9/2018</a:t>
+              <a:t>9/27/2018</a:t>
             </a:fld>
             <a:endParaRPr lang="en-US"/>
           </a:p>
@@ -1345,7 +1345,7 @@
             <a:fld id="{53074F12-AA26-4AC8-9962-C36BB8F32554}" type="datetimeFigureOut">
               <a:rPr lang="en-US" smtClean="0"/>
               <a:pPr/>
-              <a:t>8/9/2018</a:t>
+              <a:t>9/27/2018</a:t>
             </a:fld>
             <a:endParaRPr lang="en-US"/>
           </a:p>
@@ -1529,7 +1529,7 @@
             <a:fld id="{53074F12-AA26-4AC8-9962-C36BB8F32554}" type="datetimeFigureOut">
               <a:rPr lang="en-US" smtClean="0"/>
               <a:pPr/>
-              <a:t>8/9/2018</a:t>
+              <a:t>9/27/2018</a:t>
             </a:fld>
             <a:endParaRPr lang="en-US"/>
           </a:p>
@@ -1723,7 +1723,7 @@
             <a:fld id="{53074F12-AA26-4AC8-9962-C36BB8F32554}" type="datetimeFigureOut">
               <a:rPr lang="en-US" smtClean="0"/>
               <a:pPr/>
-              <a:t>8/9/2018</a:t>
+              <a:t>9/27/2018</a:t>
             </a:fld>
             <a:endParaRPr lang="en-US"/>
           </a:p>
@@ -2167,7 +2167,7 @@
             <a:fld id="{53074F12-AA26-4AC8-9962-C36BB8F32554}" type="datetimeFigureOut">
               <a:rPr lang="en-US" smtClean="0"/>
               <a:pPr/>
-              <a:t>8/9/2018</a:t>
+              <a:t>9/27/2018</a:t>
             </a:fld>
             <a:endParaRPr lang="en-US"/>
           </a:p>
@@ -2428,7 +2428,7 @@
             <a:fld id="{53074F12-AA26-4AC8-9962-C36BB8F32554}" type="datetimeFigureOut">
               <a:rPr lang="en-US" smtClean="0"/>
               <a:pPr/>
-              <a:t>8/9/2018</a:t>
+              <a:t>9/27/2018</a:t>
             </a:fld>
             <a:endParaRPr lang="en-US"/>
           </a:p>
@@ -2688,7 +2688,7 @@
             <a:fld id="{53074F12-AA26-4AC8-9962-C36BB8F32554}" type="datetimeFigureOut">
               <a:rPr lang="en-US" smtClean="0"/>
               <a:pPr/>
-              <a:t>8/9/2018</a:t>
+              <a:t>9/27/2018</a:t>
             </a:fld>
             <a:endParaRPr lang="en-US"/>
           </a:p>
@@ -2990,7 +2990,7 @@
             <a:fld id="{53074F12-AA26-4AC8-9962-C36BB8F32554}" type="datetimeFigureOut">
               <a:rPr lang="en-US" smtClean="0"/>
               <a:pPr/>
-              <a:t>8/9/2018</a:t>
+              <a:t>9/27/2018</a:t>
             </a:fld>
             <a:endParaRPr lang="en-US"/>
           </a:p>
@@ -3492,7 +3492,7 @@
             <a:fld id="{53074F12-AA26-4AC8-9962-C36BB8F32554}" type="datetimeFigureOut">
               <a:rPr lang="en-US" smtClean="0"/>
               <a:pPr/>
-              <a:t>8/9/2018</a:t>
+              <a:t>9/27/2018</a:t>
             </a:fld>
             <a:endParaRPr lang="en-US"/>
           </a:p>
@@ -3624,7 +3624,7 @@
             <a:fld id="{53074F12-AA26-4AC8-9962-C36BB8F32554}" type="datetimeFigureOut">
               <a:rPr lang="en-US" smtClean="0"/>
               <a:pPr/>
-              <a:t>8/9/2018</a:t>
+              <a:t>9/27/2018</a:t>
             </a:fld>
             <a:endParaRPr lang="en-US"/>
           </a:p>
@@ -3733,7 +3733,7 @@
             <a:fld id="{53074F12-AA26-4AC8-9962-C36BB8F32554}" type="datetimeFigureOut">
               <a:rPr lang="en-US" smtClean="0"/>
               <a:pPr/>
-              <a:t>8/9/2018</a:t>
+              <a:t>9/27/2018</a:t>
             </a:fld>
             <a:endParaRPr lang="en-US"/>
           </a:p>
@@ -4024,7 +4024,7 @@
             <a:fld id="{53074F12-AA26-4AC8-9962-C36BB8F32554}" type="datetimeFigureOut">
               <a:rPr lang="en-US" smtClean="0"/>
               <a:pPr/>
-              <a:t>8/9/2018</a:t>
+              <a:t>9/27/2018</a:t>
             </a:fld>
             <a:endParaRPr lang="en-US"/>
           </a:p>
@@ -4260,7 +4260,7 @@
             <a:fld id="{53074F12-AA26-4AC8-9962-C36BB8F32554}" type="datetimeFigureOut">
               <a:rPr lang="en-US" smtClean="0"/>
               <a:pPr/>
-              <a:t>8/9/2018</a:t>
+              <a:t>9/27/2018</a:t>
             </a:fld>
             <a:endParaRPr lang="en-US"/>
           </a:p>
@@ -11970,6 +11970,36 @@
           </a:p>
         </p:txBody>
       </p:sp>
+      <p:pic>
+        <p:nvPicPr>
+          <p:cNvPr id="3" name="Picture 2"/>
+          <p:cNvPicPr>
+            <a:picLocks noChangeAspect="1"/>
+          </p:cNvPicPr>
+          <p:nvPr/>
+        </p:nvPicPr>
+        <p:blipFill>
+          <a:blip r:embed="rId2" cstate="print">
+            <a:extLst>
+              <a:ext uri="{28A0092B-C50C-407E-A947-70E740481C1C}">
+                <a14:useLocalDpi xmlns:a14="http://schemas.microsoft.com/office/drawing/2010/main" val="0"/>
+              </a:ext>
+            </a:extLst>
+          </a:blip>
+          <a:stretch>
+            <a:fillRect/>
+          </a:stretch>
+        </p:blipFill>
+        <p:spPr>
+          <a:xfrm>
+            <a:off x="6943975" y="586585"/>
+            <a:ext cx="2157984" cy="2154936"/>
+          </a:xfrm>
+          <a:prstGeom prst="rect">
+            <a:avLst/>
+          </a:prstGeom>
+        </p:spPr>
+      </p:pic>
     </p:spTree>
     <p:extLst>
       <p:ext uri="{BB962C8B-B14F-4D97-AF65-F5344CB8AC3E}">
@@ -20120,23 +20150,7 @@
                   <a:schemeClr val="tx1"/>
                 </a:solidFill>
               </a:rPr>
-              <a:t>the </a:t>
-            </a:r>
-            <a:r>
-              <a:rPr lang="en-IN" sz="3000" smtClean="0">
-                <a:solidFill>
-                  <a:schemeClr val="tx1"/>
-                </a:solidFill>
-              </a:rPr>
-              <a:t>application</a:t>
-            </a:r>
-            <a:r>
-              <a:rPr lang="en-IN" sz="3000" smtClean="0">
-                <a:solidFill>
-                  <a:schemeClr val="tx1"/>
-                </a:solidFill>
-              </a:rPr>
-              <a:t> </a:t>
+              <a:t>the application </a:t>
             </a:r>
             <a:r>
               <a:rPr lang="en-IN" sz="3000" dirty="0" smtClean="0">
